--- a/Documentation/IPSO_Intro_IOTWEEK_short.pptx
+++ b/Documentation/IPSO_Intro_IOTWEEK_short.pptx
@@ -9132,8 +9132,42 @@
                   </a:schemeClr>
                 </a:solidFill>
               </a:rPr>
-              <a:t>Jaime Jiménez, Ericsson Research, IPSO Smart Objects co-chair.</a:t>
-            </a:r>
+              <a:t>Jaime Jiménez, Ericsson Research, IPSO Smart Objects co-chair</a:t>
+            </a:r>
+            <a:r>
+              <a:rPr lang="en-US" sz="2400" dirty="0" smtClean="0">
+                <a:solidFill>
+                  <a:schemeClr val="tx1">
+                    <a:lumMod val="50000"/>
+                  </a:schemeClr>
+                </a:solidFill>
+              </a:rPr>
+              <a:t>.</a:t>
+            </a:r>
+          </a:p>
+          <a:p>
+            <a:pPr indent="-179388">
+              <a:lnSpc>
+                <a:spcPct val="120000"/>
+              </a:lnSpc>
+            </a:pPr>
+            <a:r>
+              <a:rPr lang="en-US" sz="2400" dirty="0" err="1" smtClean="0">
+                <a:solidFill>
+                  <a:schemeClr val="tx1">
+                    <a:lumMod val="50000"/>
+                  </a:schemeClr>
+                </a:solidFill>
+              </a:rPr>
+              <a:t>jaime.jimenez@ericsson.com</a:t>
+            </a:r>
+            <a:endParaRPr lang="en-US" sz="2400" dirty="0" smtClean="0">
+              <a:solidFill>
+                <a:schemeClr val="tx1">
+                  <a:lumMod val="50000"/>
+                </a:schemeClr>
+              </a:solidFill>
+            </a:endParaRPr>
           </a:p>
           <a:p>
             <a:pPr indent="-179388">
@@ -9248,7 +9282,7 @@
         </p:spPr>
         <p:txBody>
           <a:bodyPr>
-            <a:normAutofit lnSpcReduction="10000"/>
+            <a:normAutofit fontScale="92500" lnSpcReduction="10000"/>
           </a:bodyPr>
           <a:lstStyle/>
           <a:p>
@@ -9349,8 +9383,12 @@
           </a:p>
           <a:p>
             <a:r>
+              <a:rPr lang="en-US" sz="2400" dirty="0" smtClean="0"/>
+              <a:t>IPSO Smart Object Guidelines: Starter </a:t>
+            </a:r>
+            <a:r>
               <a:rPr lang="en-US" sz="2400" dirty="0"/>
-              <a:t>Basic Starter Pack published on 2014 (Expansion Pack upcoming)</a:t>
+              <a:t>Pack published on 2014 (Expansion Pack upcoming)</a:t>
             </a:r>
             <a:r>
               <a:rPr lang="en-US" sz="2400" dirty="0" smtClean="0"/>
@@ -9358,6 +9396,28 @@
             </a:r>
           </a:p>
           <a:p>
+            <a:pPr lvl="1"/>
+            <a:r>
+              <a:rPr lang="en-US" sz="2000" dirty="0">
+                <a:hlinkClick r:id="rId3"/>
+              </a:rPr>
+              <a:t>http://</a:t>
+            </a:r>
+            <a:r>
+              <a:rPr lang="en-US" sz="2000" dirty="0" err="1">
+                <a:hlinkClick r:id="rId3"/>
+              </a:rPr>
+              <a:t>www.ipso-alliance.org</a:t>
+            </a:r>
+            <a:r>
+              <a:rPr lang="en-US" sz="2000" dirty="0">
+                <a:hlinkClick r:id="rId3"/>
+              </a:rPr>
+              <a:t>/technical-information/ipso-guidelines</a:t>
+            </a:r>
+            <a:endParaRPr lang="en-US" sz="2000" dirty="0" smtClean="0"/>
+          </a:p>
+          <a:p>
             <a:r>
               <a:rPr lang="en-US" sz="2400" dirty="0" smtClean="0"/>
               <a:t>Tested over </a:t>
@@ -9384,14 +9444,12 @@
             </a:r>
             <a:r>
               <a:rPr lang="en-US" sz="2400" dirty="0" smtClean="0"/>
-              <a:t>, TUT …) .</a:t>
-            </a:r>
-            <a:endParaRPr lang="en-US" sz="2400" dirty="0"/>
-          </a:p>
-          <a:p>
-            <a:endParaRPr lang="en-US" sz="2400" dirty="0"/>
-          </a:p>
-          <a:p>
+              <a:t>, TUT …) </a:t>
+            </a:r>
+            <a:r>
+              <a:rPr lang="en-US" sz="2400" dirty="0" smtClean="0"/>
+              <a:t>.</a:t>
+            </a:r>
             <a:endParaRPr lang="en-US" sz="2400" dirty="0"/>
           </a:p>
         </p:txBody>
@@ -9529,11 +9587,7 @@
             </a:pPr>
             <a:r>
               <a:rPr lang="en-US" sz="2000" dirty="0" smtClean="0"/>
-              <a:t>✔ </a:t>
-            </a:r>
-            <a:r>
-              <a:rPr lang="en-US" sz="2000" dirty="0" smtClean="0"/>
-              <a:t>Draft </a:t>
+              <a:t>✔ Draft </a:t>
             </a:r>
             <a:r>
               <a:rPr lang="en-US" sz="2000" dirty="0"/>
@@ -9674,11 +9728,7 @@
             </a:r>
             <a:r>
               <a:rPr lang="en-US" sz="2000" dirty="0" smtClean="0"/>
-              <a:t>31</a:t>
-            </a:r>
-            <a:r>
-              <a:rPr lang="en-US" sz="2000" dirty="0" smtClean="0"/>
-              <a:t>)</a:t>
+              <a:t>31)</a:t>
             </a:r>
           </a:p>
           <a:p>
@@ -9924,11 +9974,7 @@
             </a:r>
             <a:r>
               <a:rPr lang="en-US" dirty="0" smtClean="0"/>
-              <a:t>very generic</a:t>
-            </a:r>
-            <a:r>
-              <a:rPr lang="en-US" dirty="0" smtClean="0"/>
-              <a:t>.</a:t>
+              <a:t>very generic.</a:t>
             </a:r>
           </a:p>
           <a:p>
@@ -9937,7 +9983,6 @@
               <a:rPr lang="en-US" dirty="0" smtClean="0"/>
               <a:t>Any vendor can use them for their specific area by creating their own Objects by reusing generic resources and add their own. </a:t>
             </a:r>
-            <a:endParaRPr lang="en-US" dirty="0" smtClean="0"/>
           </a:p>
           <a:p>
             <a:r>

--- a/Documentation/IPSO_Intro_IOTWEEK_short.pptx
+++ b/Documentation/IPSO_Intro_IOTWEEK_short.pptx
@@ -1660,8 +1660,363 @@
           <a:bodyPr/>
           <a:lstStyle/>
           <a:p>
-            <a:endParaRPr lang="en-US" baseline="0" dirty="0">
-              <a:latin typeface="Arial" charset="0"/>
+            <a:pPr marL="0" indent="0">
+              <a:buFont typeface="Arial"/>
+              <a:buNone/>
+            </a:pPr>
+            <a:r>
+              <a:rPr lang="en-US" sz="1600" baseline="0" dirty="0" smtClean="0">
+                <a:latin typeface="+mn-lt"/>
+                <a:cs typeface="Andale Mono"/>
+              </a:rPr>
+              <a:t>Since we have only few slides and little time, I will focus on being pragmatic and on the content and message of this presentation.</a:t>
+            </a:r>
+          </a:p>
+          <a:p>
+            <a:pPr marL="171450" indent="-171450">
+              <a:buFont typeface="Arial"/>
+              <a:buChar char="•"/>
+            </a:pPr>
+            <a:r>
+              <a:rPr lang="en-US" sz="1600" baseline="0" dirty="0" smtClean="0">
+                <a:latin typeface="+mn-lt"/>
+                <a:cs typeface="Andale Mono"/>
+              </a:rPr>
+              <a:t>IP </a:t>
+            </a:r>
+            <a:r>
+              <a:rPr lang="en-US" sz="1600" baseline="0" dirty="0" smtClean="0">
+                <a:latin typeface="+mn-lt"/>
+                <a:cs typeface="Andale Mono"/>
+              </a:rPr>
+              <a:t>for Smart Objects is an Alliance of several companies, you can find that information on the IPSO Alliance Website. IPSO has few committees, among those the IPSO Smart Objects Committee where we define Smart Objects</a:t>
+            </a:r>
+            <a:r>
+              <a:rPr lang="en-US" sz="1600" baseline="0" dirty="0" smtClean="0">
+                <a:latin typeface="+mn-lt"/>
+                <a:cs typeface="Andale Mono"/>
+              </a:rPr>
+              <a:t>.</a:t>
+            </a:r>
+          </a:p>
+          <a:p>
+            <a:pPr marL="0" indent="0">
+              <a:buFont typeface="Arial"/>
+              <a:buNone/>
+            </a:pPr>
+            <a:endParaRPr lang="en-US" sz="1600" baseline="0" dirty="0" smtClean="0">
+              <a:latin typeface="+mn-lt"/>
+              <a:cs typeface="Andale Mono"/>
+            </a:endParaRPr>
+          </a:p>
+          <a:p>
+            <a:pPr marL="171450" indent="-171450">
+              <a:buFont typeface="Arial"/>
+              <a:buChar char="•"/>
+            </a:pPr>
+            <a:r>
+              <a:rPr lang="en-US" sz="1600" baseline="0" dirty="0" smtClean="0">
+                <a:latin typeface="+mn-lt"/>
+                <a:cs typeface="Andale Mono"/>
+              </a:rPr>
+              <a:t>The overall goal is for semantic interoperability btw devices (sensors and actuators) and the applications that use them. We are creating a standard set of semantics that can be used to provide plug and play interoperability btw devices and applications</a:t>
+            </a:r>
+            <a:r>
+              <a:rPr lang="en-US" sz="1600" baseline="0" dirty="0" smtClean="0">
+                <a:latin typeface="+mn-lt"/>
+                <a:cs typeface="Andale Mono"/>
+              </a:rPr>
+              <a:t>.</a:t>
+            </a:r>
+          </a:p>
+          <a:p>
+            <a:pPr marL="171450" indent="-171450">
+              <a:buFont typeface="Arial"/>
+              <a:buChar char="•"/>
+            </a:pPr>
+            <a:endParaRPr lang="en-US" sz="1600" baseline="0" dirty="0" smtClean="0">
+              <a:latin typeface="+mn-lt"/>
+              <a:cs typeface="Andale Mono"/>
+            </a:endParaRPr>
+          </a:p>
+          <a:p>
+            <a:pPr marL="171450" indent="-171450">
+              <a:buFont typeface="Arial"/>
+              <a:buChar char="•"/>
+            </a:pPr>
+            <a:r>
+              <a:rPr lang="en-US" sz="1600" baseline="0" dirty="0" smtClean="0">
+                <a:latin typeface="+mn-lt"/>
+                <a:cs typeface="Andale Mono"/>
+              </a:rPr>
+              <a:t>We have taken the LWM2M Object model almost as it is. LWM2M Objects are used for management of devices, they provide a </a:t>
+            </a:r>
+            <a:r>
+              <a:rPr lang="en-US" sz="1600" b="1" baseline="0" dirty="0" smtClean="0">
+                <a:latin typeface="+mn-lt"/>
+                <a:cs typeface="Andale Mono"/>
+              </a:rPr>
+              <a:t>clear URI forma</a:t>
+            </a:r>
+            <a:r>
+              <a:rPr lang="en-US" sz="1600" baseline="0" dirty="0" smtClean="0">
+                <a:latin typeface="+mn-lt"/>
+                <a:cs typeface="Andale Mono"/>
+              </a:rPr>
+              <a:t>t for addressing those </a:t>
+            </a:r>
+            <a:r>
+              <a:rPr lang="en-US" sz="1600" b="1" baseline="0" dirty="0" smtClean="0">
+                <a:latin typeface="+mn-lt"/>
+                <a:cs typeface="Andale Mono"/>
+              </a:rPr>
+              <a:t>management objects</a:t>
+            </a:r>
+            <a:r>
+              <a:rPr lang="en-US" sz="1600" baseline="0" dirty="0" smtClean="0">
+                <a:latin typeface="+mn-lt"/>
+                <a:cs typeface="Andale Mono"/>
+              </a:rPr>
+              <a:t>, as well </a:t>
+            </a:r>
+            <a:r>
+              <a:rPr lang="en-US" sz="1600" b="1" baseline="0" dirty="0" smtClean="0">
+                <a:latin typeface="+mn-lt"/>
+                <a:cs typeface="Andale Mono"/>
+              </a:rPr>
+              <a:t>as access control, instantiation</a:t>
+            </a:r>
+            <a:r>
+              <a:rPr lang="en-US" sz="1600" baseline="0" dirty="0" smtClean="0">
+                <a:latin typeface="+mn-lt"/>
+                <a:cs typeface="Andale Mono"/>
+              </a:rPr>
+              <a:t> </a:t>
+            </a:r>
+            <a:r>
+              <a:rPr lang="en-US" sz="1600" b="1" baseline="0" dirty="0" smtClean="0">
+                <a:latin typeface="+mn-lt"/>
+                <a:cs typeface="Andale Mono"/>
+              </a:rPr>
+              <a:t>and resources</a:t>
+            </a:r>
+            <a:r>
+              <a:rPr lang="en-US" sz="1600" baseline="0" dirty="0" smtClean="0">
+                <a:latin typeface="+mn-lt"/>
+                <a:cs typeface="Andale Mono"/>
+              </a:rPr>
+              <a:t>.</a:t>
+            </a:r>
+          </a:p>
+          <a:p>
+            <a:pPr marL="171450" indent="-171450">
+              <a:buFont typeface="Arial"/>
+              <a:buChar char="•"/>
+            </a:pPr>
+            <a:endParaRPr lang="en-US" sz="1600" baseline="0" dirty="0" smtClean="0">
+              <a:latin typeface="+mn-lt"/>
+              <a:cs typeface="Andale Mono"/>
+            </a:endParaRPr>
+          </a:p>
+          <a:p>
+            <a:pPr marL="171450" indent="-171450">
+              <a:buFont typeface="Arial"/>
+              <a:buChar char="•"/>
+            </a:pPr>
+            <a:r>
+              <a:rPr lang="en-US" sz="1600" baseline="0" dirty="0" smtClean="0">
+                <a:latin typeface="+mn-lt"/>
+                <a:cs typeface="Andale Mono"/>
+              </a:rPr>
+              <a:t>In IPSO </a:t>
+            </a:r>
+            <a:r>
+              <a:rPr lang="en-US" sz="1600" b="1" baseline="0" dirty="0" smtClean="0">
+                <a:latin typeface="+mn-lt"/>
+                <a:cs typeface="Andale Mono"/>
+              </a:rPr>
+              <a:t>we extend </a:t>
+            </a:r>
+            <a:r>
+              <a:rPr lang="en-US" sz="1600" baseline="0" dirty="0" smtClean="0">
+                <a:latin typeface="+mn-lt"/>
+                <a:cs typeface="Andale Mono"/>
+              </a:rPr>
+              <a:t>that model with the </a:t>
+            </a:r>
+            <a:r>
+              <a:rPr lang="en-US" sz="1600" b="1" baseline="0" dirty="0" smtClean="0">
+                <a:latin typeface="+mn-lt"/>
+                <a:cs typeface="Andale Mono"/>
+              </a:rPr>
+              <a:t>concept of reusable resources</a:t>
+            </a:r>
+            <a:r>
+              <a:rPr lang="en-US" sz="1600" baseline="0" dirty="0" smtClean="0">
+                <a:latin typeface="+mn-lt"/>
+                <a:cs typeface="Andale Mono"/>
+              </a:rPr>
+              <a:t>. The goal is that if you have some specific sensor, you can take one of the existing IPSO Objects and use it as it is or take its resources and extend it to suit your particular device characteristics. </a:t>
+            </a:r>
+            <a:endParaRPr lang="en-US" sz="1600" baseline="0" dirty="0" smtClean="0">
+              <a:latin typeface="+mn-lt"/>
+              <a:cs typeface="Andale Mono"/>
+            </a:endParaRPr>
+          </a:p>
+          <a:p>
+            <a:pPr marL="171450" indent="-171450">
+              <a:buFont typeface="Arial"/>
+              <a:buChar char="•"/>
+            </a:pPr>
+            <a:endParaRPr lang="en-US" sz="1600" baseline="0" dirty="0" smtClean="0">
+              <a:latin typeface="+mn-lt"/>
+              <a:cs typeface="Andale Mono"/>
+            </a:endParaRPr>
+          </a:p>
+          <a:p>
+            <a:pPr marL="171450" indent="-171450">
+              <a:buFont typeface="Arial"/>
+              <a:buChar char="•"/>
+            </a:pPr>
+            <a:r>
+              <a:rPr lang="en-US" sz="1600" baseline="0" dirty="0" smtClean="0">
+                <a:latin typeface="+mn-lt"/>
+                <a:cs typeface="Andale Mono"/>
+              </a:rPr>
+              <a:t>We have designed IPSO Objects to be transport protocol independent. It obviously supports </a:t>
+            </a:r>
+            <a:r>
+              <a:rPr lang="en-US" sz="1600" baseline="0" dirty="0" err="1" smtClean="0">
+                <a:latin typeface="+mn-lt"/>
+                <a:cs typeface="Andale Mono"/>
+              </a:rPr>
+              <a:t>CoAP</a:t>
+            </a:r>
+            <a:r>
+              <a:rPr lang="en-US" sz="1600" baseline="0" dirty="0" smtClean="0">
+                <a:latin typeface="+mn-lt"/>
+                <a:cs typeface="Andale Mono"/>
+              </a:rPr>
+              <a:t> as it is based on LWM2M objects, but people have used them with MQTT or HTTP as well. So you can basically send the object data over as long as you support the basic data types and content formats. </a:t>
+            </a:r>
+            <a:endParaRPr lang="en-US" sz="1600" baseline="0" dirty="0" smtClean="0">
+              <a:latin typeface="+mn-lt"/>
+              <a:cs typeface="Andale Mono"/>
+            </a:endParaRPr>
+          </a:p>
+          <a:p>
+            <a:pPr marL="171450" indent="-171450">
+              <a:buFont typeface="Arial"/>
+              <a:buChar char="•"/>
+            </a:pPr>
+            <a:endParaRPr lang="en-US" sz="1600" baseline="0" dirty="0" smtClean="0">
+              <a:latin typeface="+mn-lt"/>
+              <a:cs typeface="Andale Mono"/>
+            </a:endParaRPr>
+          </a:p>
+          <a:p>
+            <a:pPr marL="171450" indent="-171450">
+              <a:buFont typeface="Arial"/>
+              <a:buChar char="•"/>
+            </a:pPr>
+            <a:r>
+              <a:rPr lang="en-US" sz="1600" baseline="0" dirty="0" smtClean="0">
+                <a:latin typeface="+mn-lt"/>
+                <a:cs typeface="Andale Mono"/>
+              </a:rPr>
+              <a:t>Also for serialization it will depend on the protocol, can be TLV, JSON, plain text . For example we have successfully done </a:t>
+            </a:r>
+            <a:r>
+              <a:rPr lang="en-US" sz="1600" baseline="0" dirty="0" err="1" smtClean="0">
+                <a:latin typeface="+mn-lt"/>
+                <a:cs typeface="Andale Mono"/>
+              </a:rPr>
+              <a:t>interop</a:t>
+            </a:r>
+            <a:r>
+              <a:rPr lang="en-US" sz="1600" baseline="0" dirty="0" smtClean="0">
+                <a:latin typeface="+mn-lt"/>
+                <a:cs typeface="Andale Mono"/>
+              </a:rPr>
+              <a:t> tests with TLV and plaintext</a:t>
+            </a:r>
+            <a:r>
+              <a:rPr lang="en-US" sz="1600" baseline="0" dirty="0" smtClean="0">
+                <a:latin typeface="+mn-lt"/>
+                <a:cs typeface="Andale Mono"/>
+              </a:rPr>
+              <a:t>.</a:t>
+            </a:r>
+          </a:p>
+          <a:p>
+            <a:pPr marL="171450" indent="-171450">
+              <a:buFont typeface="Arial"/>
+              <a:buChar char="•"/>
+            </a:pPr>
+            <a:endParaRPr lang="en-US" sz="1600" baseline="0" dirty="0" smtClean="0">
+              <a:latin typeface="+mn-lt"/>
+              <a:cs typeface="Andale Mono"/>
+            </a:endParaRPr>
+          </a:p>
+          <a:p>
+            <a:pPr marL="171450" indent="-171450">
+              <a:buFont typeface="Arial"/>
+              <a:buChar char="•"/>
+            </a:pPr>
+            <a:r>
+              <a:rPr lang="en-US" sz="1600" baseline="0" dirty="0" smtClean="0">
+                <a:latin typeface="+mn-lt"/>
+                <a:cs typeface="Andale Mono"/>
+              </a:rPr>
+              <a:t>We have already released a basic set of smart objects last year, with some very common sensors and actuator templates, you can go and have a look at the website or you can let us know if you are interested on using them or give feedback and so on</a:t>
+            </a:r>
+            <a:r>
+              <a:rPr lang="en-US" sz="1600" baseline="0" dirty="0" smtClean="0">
+                <a:latin typeface="+mn-lt"/>
+                <a:cs typeface="Andale Mono"/>
+              </a:rPr>
+              <a:t>.</a:t>
+            </a:r>
+          </a:p>
+          <a:p>
+            <a:pPr marL="171450" indent="-171450">
+              <a:buFont typeface="Arial"/>
+              <a:buChar char="•"/>
+            </a:pPr>
+            <a:endParaRPr lang="en-US" sz="1600" baseline="0" dirty="0" smtClean="0">
+              <a:latin typeface="+mn-lt"/>
+              <a:cs typeface="Andale Mono"/>
+            </a:endParaRPr>
+          </a:p>
+          <a:p>
+            <a:pPr marL="171450" indent="-171450">
+              <a:buFont typeface="Arial"/>
+              <a:buChar char="•"/>
+            </a:pPr>
+            <a:r>
+              <a:rPr lang="en-US" sz="1600" baseline="0" dirty="0" smtClean="0">
+                <a:latin typeface="+mn-lt"/>
+                <a:cs typeface="Andale Mono"/>
+              </a:rPr>
+              <a:t>We also have tested it between the partners in IPSO few weeks ago. Each brought their own implementation of IPSO objects, we used </a:t>
+            </a:r>
+            <a:r>
+              <a:rPr lang="en-US" sz="1600" baseline="0" dirty="0" err="1" smtClean="0">
+                <a:latin typeface="+mn-lt"/>
+                <a:cs typeface="Andale Mono"/>
+              </a:rPr>
+              <a:t>CoAP</a:t>
+            </a:r>
+            <a:r>
+              <a:rPr lang="en-US" sz="1600" baseline="0" dirty="0" smtClean="0">
+                <a:latin typeface="+mn-lt"/>
+                <a:cs typeface="Andale Mono"/>
+              </a:rPr>
+              <a:t> LWM2M for the application layer and tested it over an IPv6 network</a:t>
+            </a:r>
+            <a:endParaRPr lang="en-US" sz="1600" baseline="0" dirty="0">
+              <a:latin typeface="+mn-lt"/>
+              <a:cs typeface="Andale Mono"/>
             </a:endParaRPr>
           </a:p>
         </p:txBody>
@@ -2357,6 +2712,198 @@
           <a:bodyPr/>
           <a:lstStyle/>
           <a:p>
+            <a:pPr marL="171450" indent="-171450">
+              <a:buFont typeface="Arial"/>
+              <a:buChar char="•"/>
+            </a:pPr>
+            <a:r>
+              <a:rPr lang="en-US" baseline="0" dirty="0" smtClean="0">
+                <a:latin typeface="Arial" charset="0"/>
+              </a:rPr>
+              <a:t>At the moment we are working with other standards in order to come together to a common data model. For example with UPnP we are currently trying to harmonize the large amount of </a:t>
+            </a:r>
+            <a:r>
+              <a:rPr lang="en-US" baseline="0" dirty="0" err="1" smtClean="0">
+                <a:latin typeface="Arial" charset="0"/>
+              </a:rPr>
+              <a:t>resuorce</a:t>
+            </a:r>
+            <a:r>
+              <a:rPr lang="en-US" baseline="0" dirty="0" smtClean="0">
+                <a:latin typeface="Arial" charset="0"/>
+              </a:rPr>
+              <a:t> descriptions in UPnP with the IPSO Objects. Some of the challenges here is that UPnP uses more of a SOAP approach with its Message Exchange </a:t>
+            </a:r>
+            <a:r>
+              <a:rPr lang="en-US" baseline="0" dirty="0" err="1" smtClean="0">
+                <a:latin typeface="Arial" charset="0"/>
+              </a:rPr>
+              <a:t>Pattenrs</a:t>
+            </a:r>
+            <a:r>
+              <a:rPr lang="en-US" baseline="0" dirty="0" smtClean="0">
+                <a:latin typeface="Arial" charset="0"/>
+              </a:rPr>
+              <a:t> than a REST-based one. </a:t>
+            </a:r>
+          </a:p>
+          <a:p>
+            <a:pPr marL="171450" marR="0" indent="-171450" algn="l" defTabSz="914400" rtl="0" eaLnBrk="0" fontAlgn="base" latinLnBrk="0" hangingPunct="0">
+              <a:lnSpc>
+                <a:spcPct val="100000"/>
+              </a:lnSpc>
+              <a:spcBef>
+                <a:spcPct val="30000"/>
+              </a:spcBef>
+              <a:spcAft>
+                <a:spcPct val="0"/>
+              </a:spcAft>
+              <a:buClrTx/>
+              <a:buSzTx/>
+              <a:buFont typeface="Arial"/>
+              <a:buChar char="•"/>
+              <a:tabLst/>
+              <a:defRPr/>
+            </a:pPr>
+            <a:r>
+              <a:rPr lang="en-US" baseline="0" dirty="0" smtClean="0">
+                <a:latin typeface="Arial" charset="0"/>
+              </a:rPr>
+              <a:t>Interworking with TR69, </a:t>
+            </a:r>
+            <a:r>
+              <a:rPr lang="en-US" baseline="0" dirty="0" err="1" smtClean="0">
+                <a:latin typeface="Arial" charset="0"/>
+              </a:rPr>
+              <a:t>ZigBee</a:t>
+            </a:r>
+            <a:r>
+              <a:rPr lang="en-US" baseline="0" dirty="0" smtClean="0">
+                <a:latin typeface="Arial" charset="0"/>
+              </a:rPr>
+              <a:t>, BLE and how to harmonize them so that there is one set. </a:t>
+            </a:r>
+          </a:p>
+          <a:p>
+            <a:pPr marL="171450" indent="-171450">
+              <a:buFont typeface="Arial"/>
+              <a:buChar char="•"/>
+            </a:pPr>
+            <a:r>
+              <a:rPr lang="en-US" baseline="0" dirty="0" smtClean="0">
+                <a:latin typeface="Arial" charset="0"/>
+              </a:rPr>
+              <a:t>We have also some deadlines, this list is taken from our item activity document. So basically we </a:t>
+            </a:r>
+            <a:r>
+              <a:rPr lang="en-US" baseline="0" dirty="0" smtClean="0">
+                <a:latin typeface="Arial" charset="0"/>
+              </a:rPr>
+              <a:t>are setting </a:t>
+            </a:r>
+            <a:r>
+              <a:rPr lang="en-US" baseline="0" smtClean="0">
+                <a:latin typeface="Arial" charset="0"/>
+              </a:rPr>
+              <a:t>up </a:t>
+            </a:r>
+            <a:r>
+              <a:rPr lang="en-US" baseline="0" smtClean="0">
+                <a:latin typeface="Arial" charset="0"/>
+              </a:rPr>
+              <a:t>some </a:t>
+            </a:r>
+            <a:r>
+              <a:rPr lang="en-US" baseline="0" smtClean="0">
+                <a:latin typeface="Arial" charset="0"/>
+              </a:rPr>
+              <a:t>test </a:t>
+            </a:r>
+            <a:r>
+              <a:rPr lang="en-US" baseline="0" smtClean="0">
+                <a:latin typeface="Arial" charset="0"/>
+              </a:rPr>
+              <a:t>servers </a:t>
+            </a:r>
+            <a:r>
+              <a:rPr lang="en-US" baseline="0" dirty="0" smtClean="0">
+                <a:latin typeface="Arial" charset="0"/>
+              </a:rPr>
+              <a:t>for continuous testing of Smart Objects, in this case over IPv6 and LWM2M. </a:t>
+            </a:r>
+          </a:p>
+          <a:p>
+            <a:pPr marL="171450" indent="-171450">
+              <a:buFont typeface="Arial"/>
+              <a:buChar char="•"/>
+            </a:pPr>
+            <a:r>
+              <a:rPr lang="en-US" baseline="0" dirty="0" smtClean="0">
+                <a:latin typeface="Arial" charset="0"/>
+              </a:rPr>
+              <a:t>We are also working on various expansion packs, like the domain specific objects (GW Objects, Home Appliances, </a:t>
+            </a:r>
+            <a:r>
+              <a:rPr lang="en-US" baseline="0" dirty="0" err="1" smtClean="0">
+                <a:latin typeface="Arial" charset="0"/>
+              </a:rPr>
+              <a:t>etc</a:t>
+            </a:r>
+            <a:r>
+              <a:rPr lang="en-US" baseline="0" dirty="0" smtClean="0">
+                <a:latin typeface="Arial" charset="0"/>
+              </a:rPr>
+              <a:t>)</a:t>
+            </a:r>
+          </a:p>
+          <a:p>
+            <a:pPr marL="171450" marR="0" indent="-171450" algn="l" defTabSz="914400" rtl="0" eaLnBrk="0" fontAlgn="base" latinLnBrk="0" hangingPunct="0">
+              <a:lnSpc>
+                <a:spcPct val="100000"/>
+              </a:lnSpc>
+              <a:spcBef>
+                <a:spcPct val="30000"/>
+              </a:spcBef>
+              <a:spcAft>
+                <a:spcPct val="0"/>
+              </a:spcAft>
+              <a:buClrTx/>
+              <a:buSzTx/>
+              <a:buFont typeface="Arial"/>
+              <a:buChar char="•"/>
+              <a:tabLst/>
+              <a:defRPr/>
+            </a:pPr>
+            <a:r>
+              <a:rPr lang="en-US" baseline="0" dirty="0" smtClean="0">
+                <a:latin typeface="Arial" charset="0"/>
+              </a:rPr>
+              <a:t>We have to produce a standalone schema on how to construct the objects and how clients and servers are supposed to use them. </a:t>
+            </a:r>
+          </a:p>
+          <a:p>
+            <a:pPr marL="171450" indent="-171450">
+              <a:buFont typeface="Arial"/>
+              <a:buChar char="•"/>
+            </a:pPr>
+            <a:r>
+              <a:rPr lang="en-US" baseline="0" dirty="0" smtClean="0">
+                <a:latin typeface="Arial" charset="0"/>
+              </a:rPr>
+              <a:t>We are also working on Composite objects, by using a new data type that represents a link. So that we will have resources that do not only map to a specific resource, rather it will be more like the web and we will use linking instead. </a:t>
+            </a:r>
+          </a:p>
+          <a:p>
+            <a:pPr marL="171450" indent="-171450">
+              <a:buFont typeface="Arial"/>
+              <a:buChar char="•"/>
+            </a:pPr>
+            <a:r>
+              <a:rPr lang="en-US" baseline="0" dirty="0" smtClean="0">
+                <a:latin typeface="Arial" charset="0"/>
+              </a:rPr>
+              <a:t>Also we will have a session in November in the IETF bits and bites. There we will show how objects work, some examples, how to create them and so on. </a:t>
+            </a:r>
             <a:endParaRPr lang="en-US" baseline="0" dirty="0">
               <a:latin typeface="Arial" charset="0"/>
             </a:endParaRPr>
@@ -8886,8 +9433,8 @@
         </p:blipFill>
         <p:spPr>
           <a:xfrm>
-            <a:off x="9605145" y="5061581"/>
-            <a:ext cx="3193633" cy="1796419"/>
+            <a:off x="9605145" y="5402894"/>
+            <a:ext cx="2586855" cy="1455106"/>
           </a:xfrm>
           <a:prstGeom prst="rect">
             <a:avLst/>
@@ -9132,17 +9679,7 @@
                   </a:schemeClr>
                 </a:solidFill>
               </a:rPr>
-              <a:t>Jaime Jiménez, Ericsson Research, IPSO Smart Objects co-chair</a:t>
-            </a:r>
-            <a:r>
-              <a:rPr lang="en-US" sz="2400" dirty="0" smtClean="0">
-                <a:solidFill>
-                  <a:schemeClr val="tx1">
-                    <a:lumMod val="50000"/>
-                  </a:schemeClr>
-                </a:solidFill>
-              </a:rPr>
-              <a:t>.</a:t>
+              <a:t>Jaime Jiménez, Ericsson Research, IPSO Smart Objects co-chair.</a:t>
             </a:r>
           </a:p>
           <a:p>
@@ -9152,7 +9689,7 @@
               </a:lnSpc>
             </a:pPr>
             <a:r>
-              <a:rPr lang="en-US" sz="2400" dirty="0" err="1" smtClean="0">
+              <a:rPr lang="en-US" sz="2400" i="1" dirty="0" err="1" smtClean="0">
                 <a:solidFill>
                   <a:schemeClr val="tx1">
                     <a:lumMod val="50000"/>
@@ -9161,7 +9698,7 @@
               </a:rPr>
               <a:t>jaime.jimenez@ericsson.com</a:t>
             </a:r>
-            <a:endParaRPr lang="en-US" sz="2400" dirty="0" smtClean="0">
+            <a:endParaRPr lang="en-US" sz="2400" i="1" dirty="0" smtClean="0">
               <a:solidFill>
                 <a:schemeClr val="tx1">
                   <a:lumMod val="50000"/>
@@ -9349,11 +9886,19 @@
             </a:r>
             <a:r>
               <a:rPr lang="en-US" sz="2400" dirty="0" smtClean="0"/>
-              <a:t>HTTP…) </a:t>
+              <a:t>HTTP, XMPP…) </a:t>
             </a:r>
             <a:r>
               <a:rPr lang="en-US" sz="2400" dirty="0"/>
-              <a:t>if support addressing, content formats and data types</a:t>
+              <a:t>if </a:t>
+            </a:r>
+            <a:r>
+              <a:rPr lang="en-US" sz="2400" dirty="0" smtClean="0"/>
+              <a:t>it supports </a:t>
+            </a:r>
+            <a:r>
+              <a:rPr lang="en-US" sz="2400" dirty="0"/>
+              <a:t>addressing, content formats and data types</a:t>
             </a:r>
             <a:r>
               <a:rPr lang="en-US" sz="2400" dirty="0" smtClean="0"/>
@@ -9444,11 +9989,7 @@
             </a:r>
             <a:r>
               <a:rPr lang="en-US" sz="2400" dirty="0" smtClean="0"/>
-              <a:t>, TUT …) </a:t>
-            </a:r>
-            <a:r>
-              <a:rPr lang="en-US" sz="2400" dirty="0" smtClean="0"/>
-              <a:t>.</a:t>
+              <a:t>, TUT …) .</a:t>
             </a:r>
             <a:endParaRPr lang="en-US" sz="2400" dirty="0"/>
           </a:p>
@@ -9999,15 +10540,7 @@
             <a:pPr lvl="1"/>
             <a:r>
               <a:rPr lang="en-US" dirty="0" smtClean="0"/>
-              <a:t>Harmonization </a:t>
-            </a:r>
-            <a:r>
-              <a:rPr lang="en-US" smtClean="0"/>
-              <a:t>and mapping between </a:t>
-            </a:r>
-            <a:r>
-              <a:rPr lang="en-US" dirty="0" smtClean="0"/>
-              <a:t>different data models &amp; standards.</a:t>
+              <a:t>Harmonization and mapping between different data models &amp; standards.</a:t>
             </a:r>
           </a:p>
           <a:p>
